--- a/Assignment 5/Report.pptx
+++ b/Assignment 5/Report.pptx
@@ -119,6 +119,11 @@
       </a:defRPr>
     </a:lvl9pPr>
   </p:defaultTextStyle>
+  <p:extLst>
+    <p:ext uri="{EFAFB233-063F-42B5-8137-9DF3F51BA10A}">
+      <p15:sldGuideLst xmlns:p15="http://schemas.microsoft.com/office/powerpoint/2012/main"/>
+    </p:ext>
+  </p:extLst>
 </p:presentation>
 </file>
 
@@ -3523,8 +3528,8 @@
             </a:lnSpc>
           </a:pPr>
           <a:r>
-            <a:rPr lang="en-US"/>
-            <a:t>1. TF-IDF model for indexing and ranking</a:t>
+            <a:rPr lang="en-US" dirty="0"/>
+            <a:t>1.Different model for indexing and ranking</a:t>
           </a:r>
         </a:p>
       </dgm:t>
@@ -4926,8 +4931,8 @@
             <a:buNone/>
           </a:pPr>
           <a:r>
-            <a:rPr lang="en-US" sz="2300" kern="1200"/>
-            <a:t>1. TF-IDF model for indexing and ranking</a:t>
+            <a:rPr lang="en-US" sz="2300" kern="1200" dirty="0"/>
+            <a:t>1.Different model for indexing and ranking</a:t>
           </a:r>
         </a:p>
       </dsp:txBody>
@@ -9159,7 +9164,7 @@
           <a:p>
             <a:fld id="{7B274E92-43FB-4786-9D2D-6A3DF66232A4}" type="datetimeFigureOut">
               <a:rPr lang="en-US" smtClean="0"/>
-              <a:t>12/9/2024</a:t>
+              <a:t>12/11/2024</a:t>
             </a:fld>
             <a:endParaRPr lang="en-US"/>
           </a:p>
@@ -9357,7 +9362,7 @@
           <a:p>
             <a:fld id="{7B274E92-43FB-4786-9D2D-6A3DF66232A4}" type="datetimeFigureOut">
               <a:rPr lang="en-US" smtClean="0"/>
-              <a:t>12/9/2024</a:t>
+              <a:t>12/11/2024</a:t>
             </a:fld>
             <a:endParaRPr lang="en-US"/>
           </a:p>
@@ -9565,7 +9570,7 @@
           <a:p>
             <a:fld id="{7B274E92-43FB-4786-9D2D-6A3DF66232A4}" type="datetimeFigureOut">
               <a:rPr lang="en-US" smtClean="0"/>
-              <a:t>12/9/2024</a:t>
+              <a:t>12/11/2024</a:t>
             </a:fld>
             <a:endParaRPr lang="en-US"/>
           </a:p>
@@ -9763,7 +9768,7 @@
           <a:p>
             <a:fld id="{7B274E92-43FB-4786-9D2D-6A3DF66232A4}" type="datetimeFigureOut">
               <a:rPr lang="en-US" smtClean="0"/>
-              <a:t>12/9/2024</a:t>
+              <a:t>12/11/2024</a:t>
             </a:fld>
             <a:endParaRPr lang="en-US"/>
           </a:p>
@@ -9961,7 +9966,7 @@
           <a:p>
             <a:fld id="{7B274E92-43FB-4786-9D2D-6A3DF66232A4}" type="datetimeFigureOut">
               <a:rPr lang="en-US" smtClean="0"/>
-              <a:t>12/9/2024</a:t>
+              <a:t>12/11/2024</a:t>
             </a:fld>
             <a:endParaRPr lang="en-US"/>
           </a:p>
@@ -10236,7 +10241,7 @@
           <a:p>
             <a:fld id="{7B274E92-43FB-4786-9D2D-6A3DF66232A4}" type="datetimeFigureOut">
               <a:rPr lang="en-US" smtClean="0"/>
-              <a:t>12/9/2024</a:t>
+              <a:t>12/11/2024</a:t>
             </a:fld>
             <a:endParaRPr lang="en-US"/>
           </a:p>
@@ -10501,7 +10506,7 @@
           <a:p>
             <a:fld id="{7B274E92-43FB-4786-9D2D-6A3DF66232A4}" type="datetimeFigureOut">
               <a:rPr lang="en-US" smtClean="0"/>
-              <a:t>12/9/2024</a:t>
+              <a:t>12/11/2024</a:t>
             </a:fld>
             <a:endParaRPr lang="en-US"/>
           </a:p>
@@ -10913,7 +10918,7 @@
           <a:p>
             <a:fld id="{7B274E92-43FB-4786-9D2D-6A3DF66232A4}" type="datetimeFigureOut">
               <a:rPr lang="en-US" smtClean="0"/>
-              <a:t>12/9/2024</a:t>
+              <a:t>12/11/2024</a:t>
             </a:fld>
             <a:endParaRPr lang="en-US"/>
           </a:p>
@@ -11054,7 +11059,7 @@
           <a:p>
             <a:fld id="{7B274E92-43FB-4786-9D2D-6A3DF66232A4}" type="datetimeFigureOut">
               <a:rPr lang="en-US" smtClean="0"/>
-              <a:t>12/9/2024</a:t>
+              <a:t>12/11/2024</a:t>
             </a:fld>
             <a:endParaRPr lang="en-US"/>
           </a:p>
@@ -11167,7 +11172,7 @@
           <a:p>
             <a:fld id="{7B274E92-43FB-4786-9D2D-6A3DF66232A4}" type="datetimeFigureOut">
               <a:rPr lang="en-US" smtClean="0"/>
-              <a:t>12/9/2024</a:t>
+              <a:t>12/11/2024</a:t>
             </a:fld>
             <a:endParaRPr lang="en-US"/>
           </a:p>
@@ -11478,7 +11483,7 @@
           <a:p>
             <a:fld id="{7B274E92-43FB-4786-9D2D-6A3DF66232A4}" type="datetimeFigureOut">
               <a:rPr lang="en-US" smtClean="0"/>
-              <a:t>12/9/2024</a:t>
+              <a:t>12/11/2024</a:t>
             </a:fld>
             <a:endParaRPr lang="en-US"/>
           </a:p>
@@ -11766,7 +11771,7 @@
           <a:p>
             <a:fld id="{7B274E92-43FB-4786-9D2D-6A3DF66232A4}" type="datetimeFigureOut">
               <a:rPr lang="en-US" smtClean="0"/>
-              <a:t>12/9/2024</a:t>
+              <a:t>12/11/2024</a:t>
             </a:fld>
             <a:endParaRPr lang="en-US"/>
           </a:p>
@@ -12007,7 +12012,7 @@
           <a:p>
             <a:fld id="{7B274E92-43FB-4786-9D2D-6A3DF66232A4}" type="datetimeFigureOut">
               <a:rPr lang="en-US" smtClean="0"/>
-              <a:t>12/9/2024</a:t>
+              <a:t>12/11/2024</a:t>
             </a:fld>
             <a:endParaRPr lang="en-US"/>
           </a:p>
@@ -12497,6 +12502,14 @@
 <file path=ppt/slides/slide10.xml><?xml version="1.0" encoding="utf-8"?>
 <p:sld xmlns:a="http://schemas.openxmlformats.org/drawingml/2006/main" xmlns:r="http://schemas.openxmlformats.org/officeDocument/2006/relationships" xmlns:p="http://schemas.openxmlformats.org/presentationml/2006/main">
   <p:cSld>
+    <p:bg>
+      <p:bgPr>
+        <a:solidFill>
+          <a:schemeClr val="bg1"/>
+        </a:solidFill>
+        <a:effectLst/>
+      </p:bgPr>
+    </p:bg>
     <p:spTree>
       <p:nvGrpSpPr>
         <p:cNvPr id="1" name=""/>
@@ -12511,6 +12524,229 @@
           <a:chExt cx="0" cy="0"/>
         </a:xfrm>
       </p:grpSpPr>
+      <p:sp useBgFill="1">
+        <p:nvSpPr>
+          <p:cNvPr id="9" name="Slide Background">
+            <a:extLst>
+              <a:ext uri="{FF2B5EF4-FFF2-40B4-BE49-F238E27FC236}">
+                <a16:creationId xmlns:a16="http://schemas.microsoft.com/office/drawing/2014/main" id="{9F7D5CDA-D291-4307-BF55-1381FED29634}"/>
+              </a:ext>
+              <a:ext uri="{C183D7F6-B498-43B3-948B-1728B52AA6E4}">
+                <adec:decorative xmlns:adec="http://schemas.microsoft.com/office/drawing/2017/decorative" val="1"/>
+              </a:ext>
+            </a:extLst>
+          </p:cNvPr>
+          <p:cNvSpPr>
+            <a:spLocks noGrp="1" noRot="1" noChangeAspect="1" noMove="1" noResize="1" noEditPoints="1" noAdjustHandles="1" noChangeArrowheads="1" noChangeShapeType="1" noTextEdit="1"/>
+          </p:cNvSpPr>
+          <p:nvPr>
+            <p:extLst>
+              <p:ext uri="{386F3935-93C4-4BCD-93E2-E3B085C9AB24}">
+                <p16:designElem xmlns:p16="http://schemas.microsoft.com/office/powerpoint/2015/main" val="1"/>
+              </p:ext>
+            </p:extLst>
+          </p:nvPr>
+        </p:nvSpPr>
+        <p:spPr>
+          <a:xfrm>
+            <a:off x="0" y="0"/>
+            <a:ext cx="12192000" cy="6858000"/>
+          </a:xfrm>
+          <a:prstGeom prst="rect">
+            <a:avLst/>
+          </a:prstGeom>
+          <a:ln>
+            <a:noFill/>
+          </a:ln>
+        </p:spPr>
+        <p:style>
+          <a:lnRef idx="2">
+            <a:schemeClr val="accent1">
+              <a:shade val="50000"/>
+            </a:schemeClr>
+          </a:lnRef>
+          <a:fillRef idx="1">
+            <a:schemeClr val="accent1"/>
+          </a:fillRef>
+          <a:effectRef idx="0">
+            <a:schemeClr val="accent1"/>
+          </a:effectRef>
+          <a:fontRef idx="minor">
+            <a:schemeClr val="lt1"/>
+          </a:fontRef>
+        </p:style>
+        <p:txBody>
+          <a:bodyPr rtlCol="0" anchor="ctr"/>
+          <a:lstStyle/>
+          <a:p>
+            <a:pPr algn="ctr"/>
+            <a:endParaRPr lang="en-US"/>
+          </a:p>
+        </p:txBody>
+      </p:sp>
+      <p:pic>
+        <p:nvPicPr>
+          <p:cNvPr id="5" name="Picture 4" descr="Assorted vegetables and fruits">
+            <a:extLst>
+              <a:ext uri="{FF2B5EF4-FFF2-40B4-BE49-F238E27FC236}">
+                <a16:creationId xmlns:a16="http://schemas.microsoft.com/office/drawing/2014/main" id="{C4127258-F1B5-A418-9924-35C2CA613C3A}"/>
+              </a:ext>
+            </a:extLst>
+          </p:cNvPr>
+          <p:cNvPicPr>
+            <a:picLocks noChangeAspect="1"/>
+          </p:cNvPicPr>
+          <p:nvPr/>
+        </p:nvPicPr>
+        <p:blipFill>
+          <a:blip r:embed="rId2"/>
+          <a:srcRect l="26508" r="14226" b="-1"/>
+          <a:stretch/>
+        </p:blipFill>
+        <p:spPr>
+          <a:xfrm>
+            <a:off x="6103027" y="10"/>
+            <a:ext cx="6088971" cy="6857990"/>
+          </a:xfrm>
+          <a:prstGeom prst="rect">
+            <a:avLst/>
+          </a:prstGeom>
+        </p:spPr>
+      </p:pic>
+      <p:sp useBgFill="1">
+        <p:nvSpPr>
+          <p:cNvPr id="11" name="Rectangle 10">
+            <a:extLst>
+              <a:ext uri="{FF2B5EF4-FFF2-40B4-BE49-F238E27FC236}">
+                <a16:creationId xmlns:a16="http://schemas.microsoft.com/office/drawing/2014/main" id="{59B296B9-C5A5-4E4F-9B60-C907B5F1466C}"/>
+              </a:ext>
+              <a:ext uri="{C183D7F6-B498-43B3-948B-1728B52AA6E4}">
+                <adec:decorative xmlns:adec="http://schemas.microsoft.com/office/drawing/2017/decorative" val="1"/>
+              </a:ext>
+            </a:extLst>
+          </p:cNvPr>
+          <p:cNvSpPr>
+            <a:spLocks noGrp="1" noRot="1" noChangeAspect="1" noMove="1" noResize="1" noEditPoints="1" noAdjustHandles="1" noChangeArrowheads="1" noChangeShapeType="1" noTextEdit="1"/>
+          </p:cNvSpPr>
+          <p:nvPr>
+            <p:extLst>
+              <p:ext uri="{386F3935-93C4-4BCD-93E2-E3B085C9AB24}">
+                <p16:designElem xmlns:p16="http://schemas.microsoft.com/office/powerpoint/2015/main" val="1"/>
+              </p:ext>
+            </p:extLst>
+          </p:nvPr>
+        </p:nvSpPr>
+        <p:spPr>
+          <a:xfrm>
+            <a:off x="0" y="0"/>
+            <a:ext cx="6103025" cy="6858000"/>
+          </a:xfrm>
+          <a:prstGeom prst="rect">
+            <a:avLst/>
+          </a:prstGeom>
+          <a:ln>
+            <a:noFill/>
+          </a:ln>
+          <a:effectLst>
+            <a:outerShdw blurRad="889000" dist="406400" dir="21540000" sx="90000" sy="90000" algn="t" rotWithShape="0">
+              <a:srgbClr val="000000">
+                <a:alpha val="20000"/>
+              </a:srgbClr>
+            </a:outerShdw>
+          </a:effectLst>
+        </p:spPr>
+        <p:style>
+          <a:lnRef idx="2">
+            <a:schemeClr val="accent1">
+              <a:shade val="50000"/>
+            </a:schemeClr>
+          </a:lnRef>
+          <a:fillRef idx="1">
+            <a:schemeClr val="accent1"/>
+          </a:fillRef>
+          <a:effectRef idx="0">
+            <a:schemeClr val="accent1"/>
+          </a:effectRef>
+          <a:fontRef idx="minor">
+            <a:schemeClr val="lt1"/>
+          </a:fontRef>
+        </p:style>
+        <p:txBody>
+          <a:bodyPr rtlCol="0" anchor="ctr"/>
+          <a:lstStyle/>
+          <a:p>
+            <a:pPr algn="ctr"/>
+            <a:endParaRPr lang="en-US"/>
+          </a:p>
+        </p:txBody>
+      </p:sp>
+      <p:sp useBgFill="1">
+        <p:nvSpPr>
+          <p:cNvPr id="13" name="Rectangle 12">
+            <a:extLst>
+              <a:ext uri="{FF2B5EF4-FFF2-40B4-BE49-F238E27FC236}">
+                <a16:creationId xmlns:a16="http://schemas.microsoft.com/office/drawing/2014/main" id="{D0300FD3-5AF1-6305-15FA-9078072672E2}"/>
+              </a:ext>
+              <a:ext uri="{C183D7F6-B498-43B3-948B-1728B52AA6E4}">
+                <adec:decorative xmlns:adec="http://schemas.microsoft.com/office/drawing/2017/decorative" val="1"/>
+              </a:ext>
+            </a:extLst>
+          </p:cNvPr>
+          <p:cNvSpPr>
+            <a:spLocks noGrp="1" noRot="1" noChangeAspect="1" noMove="1" noResize="1" noEditPoints="1" noAdjustHandles="1" noChangeArrowheads="1" noChangeShapeType="1" noTextEdit="1"/>
+          </p:cNvSpPr>
+          <p:nvPr>
+            <p:extLst>
+              <p:ext uri="{386F3935-93C4-4BCD-93E2-E3B085C9AB24}">
+                <p16:designElem xmlns:p16="http://schemas.microsoft.com/office/powerpoint/2015/main" val="1"/>
+              </p:ext>
+            </p:extLst>
+          </p:nvPr>
+        </p:nvSpPr>
+        <p:spPr>
+          <a:xfrm>
+            <a:off x="0" y="0"/>
+            <a:ext cx="6103025" cy="2285995"/>
+          </a:xfrm>
+          <a:prstGeom prst="rect">
+            <a:avLst/>
+          </a:prstGeom>
+          <a:ln>
+            <a:noFill/>
+          </a:ln>
+          <a:effectLst>
+            <a:outerShdw blurRad="254000" dist="127000" dir="5460000" sx="92000" sy="92000" algn="t" rotWithShape="0">
+              <a:srgbClr val="000000">
+                <a:alpha val="30000"/>
+              </a:srgbClr>
+            </a:outerShdw>
+          </a:effectLst>
+        </p:spPr>
+        <p:style>
+          <a:lnRef idx="2">
+            <a:schemeClr val="accent1">
+              <a:shade val="50000"/>
+            </a:schemeClr>
+          </a:lnRef>
+          <a:fillRef idx="1">
+            <a:schemeClr val="accent1"/>
+          </a:fillRef>
+          <a:effectRef idx="0">
+            <a:schemeClr val="accent1"/>
+          </a:effectRef>
+          <a:fontRef idx="minor">
+            <a:schemeClr val="lt1"/>
+          </a:fontRef>
+        </p:style>
+        <p:txBody>
+          <a:bodyPr rtlCol="0" anchor="ctr"/>
+          <a:lstStyle/>
+          <a:p>
+            <a:pPr algn="ctr"/>
+            <a:endParaRPr lang="en-US"/>
+          </a:p>
+        </p:txBody>
+      </p:sp>
       <p:sp>
         <p:nvSpPr>
           <p:cNvPr id="2" name="Title 1">
@@ -12527,13 +12763,20 @@
             <p:ph type="title"/>
           </p:nvPr>
         </p:nvSpPr>
-        <p:spPr/>
+        <p:spPr>
+          <a:xfrm>
+            <a:off x="761801" y="328512"/>
+            <a:ext cx="4778387" cy="1628970"/>
+          </a:xfrm>
+        </p:spPr>
         <p:txBody>
-          <a:bodyPr/>
+          <a:bodyPr vert="horz" lIns="91440" tIns="45720" rIns="91440" bIns="45720" rtlCol="0" anchor="ctr">
+            <a:normAutofit/>
+          </a:bodyPr>
           <a:lstStyle/>
           <a:p>
             <a:r>
-              <a:rPr lang="en-US"/>
+              <a:rPr lang="en-US" sz="4000"/>
               <a:t>Extended Boolean Model</a:t>
             </a:r>
           </a:p>
@@ -12555,25 +12798,32 @@
             <p:ph type="body" idx="1"/>
           </p:nvPr>
         </p:nvSpPr>
-        <p:spPr/>
+        <p:spPr>
+          <a:xfrm>
+            <a:off x="761801" y="2884929"/>
+            <a:ext cx="4659756" cy="3374137"/>
+          </a:xfrm>
+        </p:spPr>
         <p:txBody>
-          <a:bodyPr/>
+          <a:bodyPr vert="horz" lIns="91440" tIns="45720" rIns="91440" bIns="45720" rtlCol="0" anchor="ctr">
+            <a:normAutofit/>
+          </a:bodyPr>
           <a:lstStyle/>
           <a:p>
             <a:r>
-              <a:rPr lang="en-US" dirty="0"/>
+              <a:rPr lang="en-US" sz="2000"/>
               <a:t>Regular search uses simple words like 'AND,' 'OR,' and 'NOT' to find things.</a:t>
             </a:r>
           </a:p>
           <a:p>
             <a:r>
-              <a:rPr lang="en-US" dirty="0"/>
+              <a:rPr lang="en-US" sz="2000"/>
               <a:t>The extended Boolean model allows more specific queries like 'Fruits OR Vegetables BUT NOT Processed Food'.</a:t>
             </a:r>
           </a:p>
           <a:p>
             <a:r>
-              <a:rPr lang="en-US" dirty="0"/>
+              <a:rPr lang="en-US" sz="2000"/>
               <a:t>It enhances the precision and flexibility of traditional Boolean search.</a:t>
             </a:r>
           </a:p>
@@ -12595,6 +12845,14 @@
 <file path=ppt/slides/slide11.xml><?xml version="1.0" encoding="utf-8"?>
 <p:sld xmlns:a="http://schemas.openxmlformats.org/drawingml/2006/main" xmlns:r="http://schemas.openxmlformats.org/officeDocument/2006/relationships" xmlns:p="http://schemas.openxmlformats.org/presentationml/2006/main">
   <p:cSld>
+    <p:bg>
+      <p:bgPr>
+        <a:solidFill>
+          <a:schemeClr val="bg1"/>
+        </a:solidFill>
+        <a:effectLst/>
+      </p:bgPr>
+    </p:bg>
     <p:spTree>
       <p:nvGrpSpPr>
         <p:cNvPr id="1" name=""/>
@@ -12609,6 +12867,227 @@
           <a:chExt cx="0" cy="0"/>
         </a:xfrm>
       </p:grpSpPr>
+      <p:sp useBgFill="1">
+        <p:nvSpPr>
+          <p:cNvPr id="9" name="Slide Background">
+            <a:extLst>
+              <a:ext uri="{FF2B5EF4-FFF2-40B4-BE49-F238E27FC236}">
+                <a16:creationId xmlns:a16="http://schemas.microsoft.com/office/drawing/2014/main" id="{C0763A76-9F1C-4FC5-82B7-DD475DA461B2}"/>
+              </a:ext>
+              <a:ext uri="{C183D7F6-B498-43B3-948B-1728B52AA6E4}">
+                <adec:decorative xmlns:adec="http://schemas.microsoft.com/office/drawing/2017/decorative" val="1"/>
+              </a:ext>
+            </a:extLst>
+          </p:cNvPr>
+          <p:cNvSpPr>
+            <a:spLocks noGrp="1" noRot="1" noChangeAspect="1" noMove="1" noResize="1" noEditPoints="1" noAdjustHandles="1" noChangeArrowheads="1" noChangeShapeType="1" noTextEdit="1"/>
+          </p:cNvSpPr>
+          <p:nvPr>
+            <p:extLst>
+              <p:ext uri="{386F3935-93C4-4BCD-93E2-E3B085C9AB24}">
+                <p16:designElem xmlns:p16="http://schemas.microsoft.com/office/powerpoint/2015/main" val="1"/>
+              </p:ext>
+            </p:extLst>
+          </p:nvPr>
+        </p:nvSpPr>
+        <p:spPr bwMode="white">
+          <a:xfrm>
+            <a:off x="-1" y="0"/>
+            <a:ext cx="12191999" cy="6858000"/>
+          </a:xfrm>
+          <a:prstGeom prst="rect">
+            <a:avLst/>
+          </a:prstGeom>
+          <a:ln>
+            <a:noFill/>
+          </a:ln>
+        </p:spPr>
+        <p:style>
+          <a:lnRef idx="2">
+            <a:schemeClr val="accent1">
+              <a:shade val="50000"/>
+            </a:schemeClr>
+          </a:lnRef>
+          <a:fillRef idx="1">
+            <a:schemeClr val="accent1"/>
+          </a:fillRef>
+          <a:effectRef idx="0">
+            <a:schemeClr val="accent1"/>
+          </a:effectRef>
+          <a:fontRef idx="minor">
+            <a:schemeClr val="lt1"/>
+          </a:fontRef>
+        </p:style>
+        <p:txBody>
+          <a:bodyPr rtlCol="0" anchor="ctr"/>
+          <a:lstStyle>
+            <a:defPPr>
+              <a:defRPr lang="en-US"/>
+            </a:defPPr>
+            <a:lvl1pPr marL="0" algn="l" defTabSz="914400" rtl="0" eaLnBrk="1" latinLnBrk="0" hangingPunct="1">
+              <a:defRPr sz="1800" kern="1200">
+                <a:solidFill>
+                  <a:schemeClr val="lt1"/>
+                </a:solidFill>
+                <a:latin typeface="+mn-lt"/>
+                <a:ea typeface="+mn-ea"/>
+                <a:cs typeface="+mn-cs"/>
+              </a:defRPr>
+            </a:lvl1pPr>
+            <a:lvl2pPr marL="457200" algn="l" defTabSz="914400" rtl="0" eaLnBrk="1" latinLnBrk="0" hangingPunct="1">
+              <a:defRPr sz="1800" kern="1200">
+                <a:solidFill>
+                  <a:schemeClr val="lt1"/>
+                </a:solidFill>
+                <a:latin typeface="+mn-lt"/>
+                <a:ea typeface="+mn-ea"/>
+                <a:cs typeface="+mn-cs"/>
+              </a:defRPr>
+            </a:lvl2pPr>
+            <a:lvl3pPr marL="914400" algn="l" defTabSz="914400" rtl="0" eaLnBrk="1" latinLnBrk="0" hangingPunct="1">
+              <a:defRPr sz="1800" kern="1200">
+                <a:solidFill>
+                  <a:schemeClr val="lt1"/>
+                </a:solidFill>
+                <a:latin typeface="+mn-lt"/>
+                <a:ea typeface="+mn-ea"/>
+                <a:cs typeface="+mn-cs"/>
+              </a:defRPr>
+            </a:lvl3pPr>
+            <a:lvl4pPr marL="1371600" algn="l" defTabSz="914400" rtl="0" eaLnBrk="1" latinLnBrk="0" hangingPunct="1">
+              <a:defRPr sz="1800" kern="1200">
+                <a:solidFill>
+                  <a:schemeClr val="lt1"/>
+                </a:solidFill>
+                <a:latin typeface="+mn-lt"/>
+                <a:ea typeface="+mn-ea"/>
+                <a:cs typeface="+mn-cs"/>
+              </a:defRPr>
+            </a:lvl4pPr>
+            <a:lvl5pPr marL="1828800" algn="l" defTabSz="914400" rtl="0" eaLnBrk="1" latinLnBrk="0" hangingPunct="1">
+              <a:defRPr sz="1800" kern="1200">
+                <a:solidFill>
+                  <a:schemeClr val="lt1"/>
+                </a:solidFill>
+                <a:latin typeface="+mn-lt"/>
+                <a:ea typeface="+mn-ea"/>
+                <a:cs typeface="+mn-cs"/>
+              </a:defRPr>
+            </a:lvl5pPr>
+            <a:lvl6pPr marL="2286000" algn="l" defTabSz="914400" rtl="0" eaLnBrk="1" latinLnBrk="0" hangingPunct="1">
+              <a:defRPr sz="1800" kern="1200">
+                <a:solidFill>
+                  <a:schemeClr val="lt1"/>
+                </a:solidFill>
+                <a:latin typeface="+mn-lt"/>
+                <a:ea typeface="+mn-ea"/>
+                <a:cs typeface="+mn-cs"/>
+              </a:defRPr>
+            </a:lvl6pPr>
+            <a:lvl7pPr marL="2743200" algn="l" defTabSz="914400" rtl="0" eaLnBrk="1" latinLnBrk="0" hangingPunct="1">
+              <a:defRPr sz="1800" kern="1200">
+                <a:solidFill>
+                  <a:schemeClr val="lt1"/>
+                </a:solidFill>
+                <a:latin typeface="+mn-lt"/>
+                <a:ea typeface="+mn-ea"/>
+                <a:cs typeface="+mn-cs"/>
+              </a:defRPr>
+            </a:lvl7pPr>
+            <a:lvl8pPr marL="3200400" algn="l" defTabSz="914400" rtl="0" eaLnBrk="1" latinLnBrk="0" hangingPunct="1">
+              <a:defRPr sz="1800" kern="1200">
+                <a:solidFill>
+                  <a:schemeClr val="lt1"/>
+                </a:solidFill>
+                <a:latin typeface="+mn-lt"/>
+                <a:ea typeface="+mn-ea"/>
+                <a:cs typeface="+mn-cs"/>
+              </a:defRPr>
+            </a:lvl8pPr>
+            <a:lvl9pPr marL="3657600" algn="l" defTabSz="914400" rtl="0" eaLnBrk="1" latinLnBrk="0" hangingPunct="1">
+              <a:defRPr sz="1800" kern="1200">
+                <a:solidFill>
+                  <a:schemeClr val="lt1"/>
+                </a:solidFill>
+                <a:latin typeface="+mn-lt"/>
+                <a:ea typeface="+mn-ea"/>
+                <a:cs typeface="+mn-cs"/>
+              </a:defRPr>
+            </a:lvl9pPr>
+          </a:lstStyle>
+          <a:p>
+            <a:pPr algn="ctr"/>
+            <a:endParaRPr lang="en-US"/>
+          </a:p>
+        </p:txBody>
+      </p:sp>
+      <p:sp useBgFill="1">
+        <p:nvSpPr>
+          <p:cNvPr id="11" name="Rectangle 10">
+            <a:extLst>
+              <a:ext uri="{FF2B5EF4-FFF2-40B4-BE49-F238E27FC236}">
+                <a16:creationId xmlns:a16="http://schemas.microsoft.com/office/drawing/2014/main" id="{E81BF4F6-F2CF-4984-9D14-D6966D92F99F}"/>
+              </a:ext>
+              <a:ext uri="{C183D7F6-B498-43B3-948B-1728B52AA6E4}">
+                <adec:decorative xmlns:adec="http://schemas.microsoft.com/office/drawing/2017/decorative" val="1"/>
+              </a:ext>
+            </a:extLst>
+          </p:cNvPr>
+          <p:cNvSpPr>
+            <a:spLocks noGrp="1" noRot="1" noChangeAspect="1" noMove="1" noResize="1" noEditPoints="1" noAdjustHandles="1" noChangeArrowheads="1" noChangeShapeType="1" noTextEdit="1"/>
+          </p:cNvSpPr>
+          <p:nvPr>
+            <p:extLst>
+              <p:ext uri="{386F3935-93C4-4BCD-93E2-E3B085C9AB24}">
+                <p16:designElem xmlns:p16="http://schemas.microsoft.com/office/powerpoint/2015/main" val="1"/>
+              </p:ext>
+            </p:extLst>
+          </p:nvPr>
+        </p:nvSpPr>
+        <p:spPr>
+          <a:xfrm>
+            <a:off x="1" y="0"/>
+            <a:ext cx="8522446" cy="2285999"/>
+          </a:xfrm>
+          <a:prstGeom prst="rect">
+            <a:avLst/>
+          </a:prstGeom>
+          <a:ln>
+            <a:noFill/>
+          </a:ln>
+          <a:effectLst>
+            <a:outerShdw blurRad="596900" dist="304800" dir="7140000" sx="90000" sy="90000" algn="t" rotWithShape="0">
+              <a:srgbClr val="000000">
+                <a:alpha val="15000"/>
+              </a:srgbClr>
+            </a:outerShdw>
+          </a:effectLst>
+        </p:spPr>
+        <p:style>
+          <a:lnRef idx="2">
+            <a:schemeClr val="accent1">
+              <a:shade val="50000"/>
+            </a:schemeClr>
+          </a:lnRef>
+          <a:fillRef idx="1">
+            <a:schemeClr val="accent1"/>
+          </a:fillRef>
+          <a:effectRef idx="0">
+            <a:schemeClr val="accent1"/>
+          </a:effectRef>
+          <a:fontRef idx="minor">
+            <a:schemeClr val="lt1"/>
+          </a:fontRef>
+        </p:style>
+        <p:txBody>
+          <a:bodyPr rtlCol="0" anchor="ctr"/>
+          <a:lstStyle/>
+          <a:p>
+            <a:pPr algn="ctr"/>
+            <a:endParaRPr lang="en-US"/>
+          </a:p>
+        </p:txBody>
+      </p:sp>
       <p:sp>
         <p:nvSpPr>
           <p:cNvPr id="2" name="Title 1">
@@ -12625,13 +13104,20 @@
             <p:ph type="title"/>
           </p:nvPr>
         </p:nvSpPr>
-        <p:spPr/>
+        <p:spPr>
+          <a:xfrm>
+            <a:off x="761803" y="350196"/>
+            <a:ext cx="4646904" cy="1624520"/>
+          </a:xfrm>
+        </p:spPr>
         <p:txBody>
-          <a:bodyPr/>
+          <a:bodyPr vert="horz" lIns="91440" tIns="45720" rIns="91440" bIns="45720" rtlCol="0" anchor="ctr">
+            <a:normAutofit/>
+          </a:bodyPr>
           <a:lstStyle/>
           <a:p>
             <a:r>
-              <a:rPr lang="en-US"/>
+              <a:rPr lang="en-US" sz="4000"/>
               <a:t>Generalized Vector Model</a:t>
             </a:r>
           </a:p>
@@ -12653,30 +13139,66 @@
             <p:ph type="body" idx="1"/>
           </p:nvPr>
         </p:nvSpPr>
-        <p:spPr/>
+        <p:spPr>
+          <a:xfrm>
+            <a:off x="761802" y="2743200"/>
+            <a:ext cx="4646905" cy="3613149"/>
+          </a:xfrm>
+        </p:spPr>
         <p:txBody>
-          <a:bodyPr/>
+          <a:bodyPr vert="horz" lIns="91440" tIns="45720" rIns="91440" bIns="45720" rtlCol="0" anchor="ctr">
+            <a:normAutofit/>
+          </a:bodyPr>
           <a:lstStyle/>
           <a:p>
             <a:r>
-              <a:rPr lang="en-US" dirty="0"/>
+              <a:rPr lang="en-US" sz="2000"/>
               <a:t>Documents and queries are represented as vectors in a multi-dimensional space.</a:t>
             </a:r>
           </a:p>
           <a:p>
             <a:r>
-              <a:rPr lang="en-US" dirty="0"/>
+              <a:rPr lang="en-US" sz="2000"/>
               <a:t>Each dimension corresponds to a unique term or feature.</a:t>
             </a:r>
           </a:p>
           <a:p>
             <a:r>
-              <a:rPr lang="en-US" dirty="0"/>
+              <a:rPr lang="en-US" sz="2000"/>
               <a:t>Documents and queries are like arrows in this space, with direction and length indicating relevance.</a:t>
             </a:r>
           </a:p>
         </p:txBody>
       </p:sp>
+      <p:pic>
+        <p:nvPicPr>
+          <p:cNvPr id="5" name="Picture 4">
+            <a:extLst>
+              <a:ext uri="{FF2B5EF4-FFF2-40B4-BE49-F238E27FC236}">
+                <a16:creationId xmlns:a16="http://schemas.microsoft.com/office/drawing/2014/main" id="{4C229069-C3C9-09C0-C5DB-A8A5A5A9BF8A}"/>
+              </a:ext>
+            </a:extLst>
+          </p:cNvPr>
+          <p:cNvPicPr>
+            <a:picLocks noChangeAspect="1"/>
+          </p:cNvPicPr>
+          <p:nvPr/>
+        </p:nvPicPr>
+        <p:blipFill>
+          <a:blip r:embed="rId2"/>
+          <a:srcRect l="9566" r="31033" b="-2"/>
+          <a:stretch/>
+        </p:blipFill>
+        <p:spPr>
+          <a:xfrm>
+            <a:off x="6096000" y="1"/>
+            <a:ext cx="6102825" cy="6858000"/>
+          </a:xfrm>
+          <a:prstGeom prst="rect">
+            <a:avLst/>
+          </a:prstGeom>
+        </p:spPr>
+      </p:pic>
     </p:spTree>
     <p:extLst>
       <p:ext uri="{BB962C8B-B14F-4D97-AF65-F5344CB8AC3E}">
@@ -12693,6 +13215,14 @@
 <file path=ppt/slides/slide12.xml><?xml version="1.0" encoding="utf-8"?>
 <p:sld xmlns:a="http://schemas.openxmlformats.org/drawingml/2006/main" xmlns:r="http://schemas.openxmlformats.org/officeDocument/2006/relationships" xmlns:p="http://schemas.openxmlformats.org/presentationml/2006/main">
   <p:cSld>
+    <p:bg>
+      <p:bgPr>
+        <a:solidFill>
+          <a:schemeClr val="bg1"/>
+        </a:solidFill>
+        <a:effectLst/>
+      </p:bgPr>
+    </p:bg>
     <p:spTree>
       <p:nvGrpSpPr>
         <p:cNvPr id="1" name=""/>
@@ -12707,6 +13237,227 @@
           <a:chExt cx="0" cy="0"/>
         </a:xfrm>
       </p:grpSpPr>
+      <p:sp useBgFill="1">
+        <p:nvSpPr>
+          <p:cNvPr id="9" name="Slide Background">
+            <a:extLst>
+              <a:ext uri="{FF2B5EF4-FFF2-40B4-BE49-F238E27FC236}">
+                <a16:creationId xmlns:a16="http://schemas.microsoft.com/office/drawing/2014/main" id="{C0763A76-9F1C-4FC5-82B7-DD475DA461B2}"/>
+              </a:ext>
+              <a:ext uri="{C183D7F6-B498-43B3-948B-1728B52AA6E4}">
+                <adec:decorative xmlns:adec="http://schemas.microsoft.com/office/drawing/2017/decorative" val="1"/>
+              </a:ext>
+            </a:extLst>
+          </p:cNvPr>
+          <p:cNvSpPr>
+            <a:spLocks noGrp="1" noRot="1" noChangeAspect="1" noMove="1" noResize="1" noEditPoints="1" noAdjustHandles="1" noChangeArrowheads="1" noChangeShapeType="1" noTextEdit="1"/>
+          </p:cNvSpPr>
+          <p:nvPr>
+            <p:extLst>
+              <p:ext uri="{386F3935-93C4-4BCD-93E2-E3B085C9AB24}">
+                <p16:designElem xmlns:p16="http://schemas.microsoft.com/office/powerpoint/2015/main" val="1"/>
+              </p:ext>
+            </p:extLst>
+          </p:nvPr>
+        </p:nvSpPr>
+        <p:spPr bwMode="white">
+          <a:xfrm>
+            <a:off x="-1" y="0"/>
+            <a:ext cx="12191999" cy="6858000"/>
+          </a:xfrm>
+          <a:prstGeom prst="rect">
+            <a:avLst/>
+          </a:prstGeom>
+          <a:ln>
+            <a:noFill/>
+          </a:ln>
+        </p:spPr>
+        <p:style>
+          <a:lnRef idx="2">
+            <a:schemeClr val="accent1">
+              <a:shade val="50000"/>
+            </a:schemeClr>
+          </a:lnRef>
+          <a:fillRef idx="1">
+            <a:schemeClr val="accent1"/>
+          </a:fillRef>
+          <a:effectRef idx="0">
+            <a:schemeClr val="accent1"/>
+          </a:effectRef>
+          <a:fontRef idx="minor">
+            <a:schemeClr val="lt1"/>
+          </a:fontRef>
+        </p:style>
+        <p:txBody>
+          <a:bodyPr rtlCol="0" anchor="ctr"/>
+          <a:lstStyle>
+            <a:defPPr>
+              <a:defRPr lang="en-US"/>
+            </a:defPPr>
+            <a:lvl1pPr marL="0" algn="l" defTabSz="914400" rtl="0" eaLnBrk="1" latinLnBrk="0" hangingPunct="1">
+              <a:defRPr sz="1800" kern="1200">
+                <a:solidFill>
+                  <a:schemeClr val="lt1"/>
+                </a:solidFill>
+                <a:latin typeface="+mn-lt"/>
+                <a:ea typeface="+mn-ea"/>
+                <a:cs typeface="+mn-cs"/>
+              </a:defRPr>
+            </a:lvl1pPr>
+            <a:lvl2pPr marL="457200" algn="l" defTabSz="914400" rtl="0" eaLnBrk="1" latinLnBrk="0" hangingPunct="1">
+              <a:defRPr sz="1800" kern="1200">
+                <a:solidFill>
+                  <a:schemeClr val="lt1"/>
+                </a:solidFill>
+                <a:latin typeface="+mn-lt"/>
+                <a:ea typeface="+mn-ea"/>
+                <a:cs typeface="+mn-cs"/>
+              </a:defRPr>
+            </a:lvl2pPr>
+            <a:lvl3pPr marL="914400" algn="l" defTabSz="914400" rtl="0" eaLnBrk="1" latinLnBrk="0" hangingPunct="1">
+              <a:defRPr sz="1800" kern="1200">
+                <a:solidFill>
+                  <a:schemeClr val="lt1"/>
+                </a:solidFill>
+                <a:latin typeface="+mn-lt"/>
+                <a:ea typeface="+mn-ea"/>
+                <a:cs typeface="+mn-cs"/>
+              </a:defRPr>
+            </a:lvl3pPr>
+            <a:lvl4pPr marL="1371600" algn="l" defTabSz="914400" rtl="0" eaLnBrk="1" latinLnBrk="0" hangingPunct="1">
+              <a:defRPr sz="1800" kern="1200">
+                <a:solidFill>
+                  <a:schemeClr val="lt1"/>
+                </a:solidFill>
+                <a:latin typeface="+mn-lt"/>
+                <a:ea typeface="+mn-ea"/>
+                <a:cs typeface="+mn-cs"/>
+              </a:defRPr>
+            </a:lvl4pPr>
+            <a:lvl5pPr marL="1828800" algn="l" defTabSz="914400" rtl="0" eaLnBrk="1" latinLnBrk="0" hangingPunct="1">
+              <a:defRPr sz="1800" kern="1200">
+                <a:solidFill>
+                  <a:schemeClr val="lt1"/>
+                </a:solidFill>
+                <a:latin typeface="+mn-lt"/>
+                <a:ea typeface="+mn-ea"/>
+                <a:cs typeface="+mn-cs"/>
+              </a:defRPr>
+            </a:lvl5pPr>
+            <a:lvl6pPr marL="2286000" algn="l" defTabSz="914400" rtl="0" eaLnBrk="1" latinLnBrk="0" hangingPunct="1">
+              <a:defRPr sz="1800" kern="1200">
+                <a:solidFill>
+                  <a:schemeClr val="lt1"/>
+                </a:solidFill>
+                <a:latin typeface="+mn-lt"/>
+                <a:ea typeface="+mn-ea"/>
+                <a:cs typeface="+mn-cs"/>
+              </a:defRPr>
+            </a:lvl6pPr>
+            <a:lvl7pPr marL="2743200" algn="l" defTabSz="914400" rtl="0" eaLnBrk="1" latinLnBrk="0" hangingPunct="1">
+              <a:defRPr sz="1800" kern="1200">
+                <a:solidFill>
+                  <a:schemeClr val="lt1"/>
+                </a:solidFill>
+                <a:latin typeface="+mn-lt"/>
+                <a:ea typeface="+mn-ea"/>
+                <a:cs typeface="+mn-cs"/>
+              </a:defRPr>
+            </a:lvl7pPr>
+            <a:lvl8pPr marL="3200400" algn="l" defTabSz="914400" rtl="0" eaLnBrk="1" latinLnBrk="0" hangingPunct="1">
+              <a:defRPr sz="1800" kern="1200">
+                <a:solidFill>
+                  <a:schemeClr val="lt1"/>
+                </a:solidFill>
+                <a:latin typeface="+mn-lt"/>
+                <a:ea typeface="+mn-ea"/>
+                <a:cs typeface="+mn-cs"/>
+              </a:defRPr>
+            </a:lvl8pPr>
+            <a:lvl9pPr marL="3657600" algn="l" defTabSz="914400" rtl="0" eaLnBrk="1" latinLnBrk="0" hangingPunct="1">
+              <a:defRPr sz="1800" kern="1200">
+                <a:solidFill>
+                  <a:schemeClr val="lt1"/>
+                </a:solidFill>
+                <a:latin typeface="+mn-lt"/>
+                <a:ea typeface="+mn-ea"/>
+                <a:cs typeface="+mn-cs"/>
+              </a:defRPr>
+            </a:lvl9pPr>
+          </a:lstStyle>
+          <a:p>
+            <a:pPr algn="ctr"/>
+            <a:endParaRPr lang="en-US"/>
+          </a:p>
+        </p:txBody>
+      </p:sp>
+      <p:sp useBgFill="1">
+        <p:nvSpPr>
+          <p:cNvPr id="11" name="Rectangle 10">
+            <a:extLst>
+              <a:ext uri="{FF2B5EF4-FFF2-40B4-BE49-F238E27FC236}">
+                <a16:creationId xmlns:a16="http://schemas.microsoft.com/office/drawing/2014/main" id="{E81BF4F6-F2CF-4984-9D14-D6966D92F99F}"/>
+              </a:ext>
+              <a:ext uri="{C183D7F6-B498-43B3-948B-1728B52AA6E4}">
+                <adec:decorative xmlns:adec="http://schemas.microsoft.com/office/drawing/2017/decorative" val="1"/>
+              </a:ext>
+            </a:extLst>
+          </p:cNvPr>
+          <p:cNvSpPr>
+            <a:spLocks noGrp="1" noRot="1" noChangeAspect="1" noMove="1" noResize="1" noEditPoints="1" noAdjustHandles="1" noChangeArrowheads="1" noChangeShapeType="1" noTextEdit="1"/>
+          </p:cNvSpPr>
+          <p:nvPr>
+            <p:extLst>
+              <p:ext uri="{386F3935-93C4-4BCD-93E2-E3B085C9AB24}">
+                <p16:designElem xmlns:p16="http://schemas.microsoft.com/office/powerpoint/2015/main" val="1"/>
+              </p:ext>
+            </p:extLst>
+          </p:nvPr>
+        </p:nvSpPr>
+        <p:spPr>
+          <a:xfrm>
+            <a:off x="1" y="0"/>
+            <a:ext cx="8522446" cy="2285999"/>
+          </a:xfrm>
+          <a:prstGeom prst="rect">
+            <a:avLst/>
+          </a:prstGeom>
+          <a:ln>
+            <a:noFill/>
+          </a:ln>
+          <a:effectLst>
+            <a:outerShdw blurRad="596900" dist="304800" dir="7140000" sx="90000" sy="90000" algn="t" rotWithShape="0">
+              <a:srgbClr val="000000">
+                <a:alpha val="15000"/>
+              </a:srgbClr>
+            </a:outerShdw>
+          </a:effectLst>
+        </p:spPr>
+        <p:style>
+          <a:lnRef idx="2">
+            <a:schemeClr val="accent1">
+              <a:shade val="50000"/>
+            </a:schemeClr>
+          </a:lnRef>
+          <a:fillRef idx="1">
+            <a:schemeClr val="accent1"/>
+          </a:fillRef>
+          <a:effectRef idx="0">
+            <a:schemeClr val="accent1"/>
+          </a:effectRef>
+          <a:fontRef idx="minor">
+            <a:schemeClr val="lt1"/>
+          </a:fontRef>
+        </p:style>
+        <p:txBody>
+          <a:bodyPr rtlCol="0" anchor="ctr"/>
+          <a:lstStyle/>
+          <a:p>
+            <a:pPr algn="ctr"/>
+            <a:endParaRPr lang="en-US"/>
+          </a:p>
+        </p:txBody>
+      </p:sp>
       <p:sp>
         <p:nvSpPr>
           <p:cNvPr id="2" name="Title 1">
@@ -12723,13 +13474,20 @@
             <p:ph type="title"/>
           </p:nvPr>
         </p:nvSpPr>
-        <p:spPr/>
+        <p:spPr>
+          <a:xfrm>
+            <a:off x="761803" y="350196"/>
+            <a:ext cx="4646904" cy="1624520"/>
+          </a:xfrm>
+        </p:spPr>
         <p:txBody>
-          <a:bodyPr/>
+          <a:bodyPr vert="horz" lIns="91440" tIns="45720" rIns="91440" bIns="45720" rtlCol="0" anchor="ctr">
+            <a:normAutofit/>
+          </a:bodyPr>
           <a:lstStyle/>
           <a:p>
             <a:r>
-              <a:rPr lang="en-US"/>
+              <a:rPr lang="en-US" sz="3700"/>
               <a:t>Algebraic IR Models: Latent Semantic Indexing (LSI)</a:t>
             </a:r>
           </a:p>
@@ -12751,30 +13509,66 @@
             <p:ph type="body" idx="1"/>
           </p:nvPr>
         </p:nvSpPr>
-        <p:spPr/>
+        <p:spPr>
+          <a:xfrm>
+            <a:off x="761802" y="2743200"/>
+            <a:ext cx="4646905" cy="3613149"/>
+          </a:xfrm>
+        </p:spPr>
         <p:txBody>
-          <a:bodyPr/>
+          <a:bodyPr vert="horz" lIns="91440" tIns="45720" rIns="91440" bIns="45720" rtlCol="0" anchor="ctr">
+            <a:normAutofit/>
+          </a:bodyPr>
           <a:lstStyle/>
           <a:p>
             <a:r>
-              <a:rPr lang="en-US" dirty="0"/>
+              <a:rPr lang="en-US" sz="2000"/>
               <a:t>Algebraic IR models, like LSI, go beyond simple word matching to understand semantic relationships.</a:t>
             </a:r>
           </a:p>
           <a:p>
             <a:r>
-              <a:rPr lang="en-US" dirty="0"/>
+              <a:rPr lang="en-US" sz="2000"/>
               <a:t>LSI uses Singular Value Decomposition (SVD) to analyze relationships between terms in large corpora.</a:t>
             </a:r>
           </a:p>
           <a:p>
             <a:r>
-              <a:rPr lang="en-US" dirty="0"/>
+              <a:rPr lang="en-US" sz="2000"/>
               <a:t>LSI discovers hidden semantic structures, retrieving conceptually related documents even without exact word matches.</a:t>
             </a:r>
           </a:p>
         </p:txBody>
       </p:sp>
+      <p:pic>
+        <p:nvPicPr>
+          <p:cNvPr id="5" name="Picture 4" descr="Complex math formulas on a blackboard">
+            <a:extLst>
+              <a:ext uri="{FF2B5EF4-FFF2-40B4-BE49-F238E27FC236}">
+                <a16:creationId xmlns:a16="http://schemas.microsoft.com/office/drawing/2014/main" id="{69A15B7B-E2FA-79A8-61B0-99CB500E2B68}"/>
+              </a:ext>
+            </a:extLst>
+          </p:cNvPr>
+          <p:cNvPicPr>
+            <a:picLocks noChangeAspect="1"/>
+          </p:cNvPicPr>
+          <p:nvPr/>
+        </p:nvPicPr>
+        <p:blipFill>
+          <a:blip r:embed="rId2"/>
+          <a:srcRect l="24481" r="10557" b="-1"/>
+          <a:stretch/>
+        </p:blipFill>
+        <p:spPr>
+          <a:xfrm>
+            <a:off x="6096000" y="1"/>
+            <a:ext cx="6102825" cy="6858000"/>
+          </a:xfrm>
+          <a:prstGeom prst="rect">
+            <a:avLst/>
+          </a:prstGeom>
+        </p:spPr>
+      </p:pic>
     </p:spTree>
     <p:extLst>
       <p:ext uri="{BB962C8B-B14F-4D97-AF65-F5344CB8AC3E}">
@@ -14882,7 +15676,7 @@
           <p:nvPr>
             <p:extLst>
               <p:ext uri="{D42A27DB-BD31-4B8C-83A1-F6EECF244321}">
-                <p14:modId xmlns:p14="http://schemas.microsoft.com/office/powerpoint/2010/main" val="4044885914"/>
+                <p14:modId xmlns:p14="http://schemas.microsoft.com/office/powerpoint/2010/main" val="568667719"/>
               </p:ext>
             </p:extLst>
           </p:nvPr>
@@ -14913,6 +15707,14 @@
 <file path=ppt/slides/slide8.xml><?xml version="1.0" encoding="utf-8"?>
 <p:sld xmlns:a="http://schemas.openxmlformats.org/drawingml/2006/main" xmlns:r="http://schemas.openxmlformats.org/officeDocument/2006/relationships" xmlns:p="http://schemas.openxmlformats.org/presentationml/2006/main">
   <p:cSld>
+    <p:bg>
+      <p:bgPr>
+        <a:solidFill>
+          <a:schemeClr val="bg1"/>
+        </a:solidFill>
+        <a:effectLst/>
+      </p:bgPr>
+    </p:bg>
     <p:spTree>
       <p:nvGrpSpPr>
         <p:cNvPr id="1" name=""/>
@@ -14927,6 +15729,229 @@
           <a:chExt cx="0" cy="0"/>
         </a:xfrm>
       </p:grpSpPr>
+      <p:sp useBgFill="1">
+        <p:nvSpPr>
+          <p:cNvPr id="9" name="Slide Background">
+            <a:extLst>
+              <a:ext uri="{FF2B5EF4-FFF2-40B4-BE49-F238E27FC236}">
+                <a16:creationId xmlns:a16="http://schemas.microsoft.com/office/drawing/2014/main" id="{9F7D5CDA-D291-4307-BF55-1381FED29634}"/>
+              </a:ext>
+              <a:ext uri="{C183D7F6-B498-43B3-948B-1728B52AA6E4}">
+                <adec:decorative xmlns:adec="http://schemas.microsoft.com/office/drawing/2017/decorative" val="1"/>
+              </a:ext>
+            </a:extLst>
+          </p:cNvPr>
+          <p:cNvSpPr>
+            <a:spLocks noGrp="1" noRot="1" noChangeAspect="1" noMove="1" noResize="1" noEditPoints="1" noAdjustHandles="1" noChangeArrowheads="1" noChangeShapeType="1" noTextEdit="1"/>
+          </p:cNvSpPr>
+          <p:nvPr>
+            <p:extLst>
+              <p:ext uri="{386F3935-93C4-4BCD-93E2-E3B085C9AB24}">
+                <p16:designElem xmlns:p16="http://schemas.microsoft.com/office/powerpoint/2015/main" val="1"/>
+              </p:ext>
+            </p:extLst>
+          </p:nvPr>
+        </p:nvSpPr>
+        <p:spPr>
+          <a:xfrm>
+            <a:off x="0" y="0"/>
+            <a:ext cx="12192000" cy="6858000"/>
+          </a:xfrm>
+          <a:prstGeom prst="rect">
+            <a:avLst/>
+          </a:prstGeom>
+          <a:ln>
+            <a:noFill/>
+          </a:ln>
+        </p:spPr>
+        <p:style>
+          <a:lnRef idx="2">
+            <a:schemeClr val="accent1">
+              <a:shade val="50000"/>
+            </a:schemeClr>
+          </a:lnRef>
+          <a:fillRef idx="1">
+            <a:schemeClr val="accent1"/>
+          </a:fillRef>
+          <a:effectRef idx="0">
+            <a:schemeClr val="accent1"/>
+          </a:effectRef>
+          <a:fontRef idx="minor">
+            <a:schemeClr val="lt1"/>
+          </a:fontRef>
+        </p:style>
+        <p:txBody>
+          <a:bodyPr rtlCol="0" anchor="ctr"/>
+          <a:lstStyle/>
+          <a:p>
+            <a:pPr algn="ctr"/>
+            <a:endParaRPr lang="en-US"/>
+          </a:p>
+        </p:txBody>
+      </p:sp>
+      <p:pic>
+        <p:nvPicPr>
+          <p:cNvPr id="5" name="Picture 4" descr="Light reflection in a lens">
+            <a:extLst>
+              <a:ext uri="{FF2B5EF4-FFF2-40B4-BE49-F238E27FC236}">
+                <a16:creationId xmlns:a16="http://schemas.microsoft.com/office/drawing/2014/main" id="{BF87E104-7F89-B085-8C8B-902D23577D84}"/>
+              </a:ext>
+            </a:extLst>
+          </p:cNvPr>
+          <p:cNvPicPr>
+            <a:picLocks noChangeAspect="1"/>
+          </p:cNvPicPr>
+          <p:nvPr/>
+        </p:nvPicPr>
+        <p:blipFill>
+          <a:blip r:embed="rId2"/>
+          <a:srcRect l="13526" r="27208" b="-1"/>
+          <a:stretch/>
+        </p:blipFill>
+        <p:spPr>
+          <a:xfrm>
+            <a:off x="6103027" y="10"/>
+            <a:ext cx="6088971" cy="6857990"/>
+          </a:xfrm>
+          <a:prstGeom prst="rect">
+            <a:avLst/>
+          </a:prstGeom>
+        </p:spPr>
+      </p:pic>
+      <p:sp useBgFill="1">
+        <p:nvSpPr>
+          <p:cNvPr id="11" name="Rectangle 10">
+            <a:extLst>
+              <a:ext uri="{FF2B5EF4-FFF2-40B4-BE49-F238E27FC236}">
+                <a16:creationId xmlns:a16="http://schemas.microsoft.com/office/drawing/2014/main" id="{59B296B9-C5A5-4E4F-9B60-C907B5F1466C}"/>
+              </a:ext>
+              <a:ext uri="{C183D7F6-B498-43B3-948B-1728B52AA6E4}">
+                <adec:decorative xmlns:adec="http://schemas.microsoft.com/office/drawing/2017/decorative" val="1"/>
+              </a:ext>
+            </a:extLst>
+          </p:cNvPr>
+          <p:cNvSpPr>
+            <a:spLocks noGrp="1" noRot="1" noChangeAspect="1" noMove="1" noResize="1" noEditPoints="1" noAdjustHandles="1" noChangeArrowheads="1" noChangeShapeType="1" noTextEdit="1"/>
+          </p:cNvSpPr>
+          <p:nvPr>
+            <p:extLst>
+              <p:ext uri="{386F3935-93C4-4BCD-93E2-E3B085C9AB24}">
+                <p16:designElem xmlns:p16="http://schemas.microsoft.com/office/powerpoint/2015/main" val="1"/>
+              </p:ext>
+            </p:extLst>
+          </p:nvPr>
+        </p:nvSpPr>
+        <p:spPr>
+          <a:xfrm>
+            <a:off x="0" y="0"/>
+            <a:ext cx="6103025" cy="6858000"/>
+          </a:xfrm>
+          <a:prstGeom prst="rect">
+            <a:avLst/>
+          </a:prstGeom>
+          <a:ln>
+            <a:noFill/>
+          </a:ln>
+          <a:effectLst>
+            <a:outerShdw blurRad="889000" dist="406400" dir="21540000" sx="90000" sy="90000" algn="t" rotWithShape="0">
+              <a:srgbClr val="000000">
+                <a:alpha val="20000"/>
+              </a:srgbClr>
+            </a:outerShdw>
+          </a:effectLst>
+        </p:spPr>
+        <p:style>
+          <a:lnRef idx="2">
+            <a:schemeClr val="accent1">
+              <a:shade val="50000"/>
+            </a:schemeClr>
+          </a:lnRef>
+          <a:fillRef idx="1">
+            <a:schemeClr val="accent1"/>
+          </a:fillRef>
+          <a:effectRef idx="0">
+            <a:schemeClr val="accent1"/>
+          </a:effectRef>
+          <a:fontRef idx="minor">
+            <a:schemeClr val="lt1"/>
+          </a:fontRef>
+        </p:style>
+        <p:txBody>
+          <a:bodyPr rtlCol="0" anchor="ctr"/>
+          <a:lstStyle/>
+          <a:p>
+            <a:pPr algn="ctr"/>
+            <a:endParaRPr lang="en-US"/>
+          </a:p>
+        </p:txBody>
+      </p:sp>
+      <p:sp useBgFill="1">
+        <p:nvSpPr>
+          <p:cNvPr id="13" name="Rectangle 12">
+            <a:extLst>
+              <a:ext uri="{FF2B5EF4-FFF2-40B4-BE49-F238E27FC236}">
+                <a16:creationId xmlns:a16="http://schemas.microsoft.com/office/drawing/2014/main" id="{D0300FD3-5AF1-6305-15FA-9078072672E2}"/>
+              </a:ext>
+              <a:ext uri="{C183D7F6-B498-43B3-948B-1728B52AA6E4}">
+                <adec:decorative xmlns:adec="http://schemas.microsoft.com/office/drawing/2017/decorative" val="1"/>
+              </a:ext>
+            </a:extLst>
+          </p:cNvPr>
+          <p:cNvSpPr>
+            <a:spLocks noGrp="1" noRot="1" noChangeAspect="1" noMove="1" noResize="1" noEditPoints="1" noAdjustHandles="1" noChangeArrowheads="1" noChangeShapeType="1" noTextEdit="1"/>
+          </p:cNvSpPr>
+          <p:nvPr>
+            <p:extLst>
+              <p:ext uri="{386F3935-93C4-4BCD-93E2-E3B085C9AB24}">
+                <p16:designElem xmlns:p16="http://schemas.microsoft.com/office/powerpoint/2015/main" val="1"/>
+              </p:ext>
+            </p:extLst>
+          </p:nvPr>
+        </p:nvSpPr>
+        <p:spPr>
+          <a:xfrm>
+            <a:off x="0" y="0"/>
+            <a:ext cx="6103025" cy="2285995"/>
+          </a:xfrm>
+          <a:prstGeom prst="rect">
+            <a:avLst/>
+          </a:prstGeom>
+          <a:ln>
+            <a:noFill/>
+          </a:ln>
+          <a:effectLst>
+            <a:outerShdw blurRad="254000" dist="127000" dir="5460000" sx="92000" sy="92000" algn="t" rotWithShape="0">
+              <a:srgbClr val="000000">
+                <a:alpha val="30000"/>
+              </a:srgbClr>
+            </a:outerShdw>
+          </a:effectLst>
+        </p:spPr>
+        <p:style>
+          <a:lnRef idx="2">
+            <a:schemeClr val="accent1">
+              <a:shade val="50000"/>
+            </a:schemeClr>
+          </a:lnRef>
+          <a:fillRef idx="1">
+            <a:schemeClr val="accent1"/>
+          </a:fillRef>
+          <a:effectRef idx="0">
+            <a:schemeClr val="accent1"/>
+          </a:effectRef>
+          <a:fontRef idx="minor">
+            <a:schemeClr val="lt1"/>
+          </a:fontRef>
+        </p:style>
+        <p:txBody>
+          <a:bodyPr rtlCol="0" anchor="ctr"/>
+          <a:lstStyle/>
+          <a:p>
+            <a:pPr algn="ctr"/>
+            <a:endParaRPr lang="en-US"/>
+          </a:p>
+        </p:txBody>
+      </p:sp>
       <p:sp>
         <p:nvSpPr>
           <p:cNvPr id="2" name="Title 1">
@@ -14943,13 +15968,20 @@
             <p:ph type="title"/>
           </p:nvPr>
         </p:nvSpPr>
-        <p:spPr/>
+        <p:spPr>
+          <a:xfrm>
+            <a:off x="761801" y="328512"/>
+            <a:ext cx="4778387" cy="1628970"/>
+          </a:xfrm>
+        </p:spPr>
         <p:txBody>
-          <a:bodyPr/>
+          <a:bodyPr vert="horz" lIns="91440" tIns="45720" rIns="91440" bIns="45720" rtlCol="0" anchor="ctr">
+            <a:normAutofit/>
+          </a:bodyPr>
           <a:lstStyle/>
           <a:p>
             <a:r>
-              <a:rPr lang="en-US"/>
+              <a:rPr lang="en-US" sz="4000"/>
               <a:t>Fuzzy Set Theory</a:t>
             </a:r>
           </a:p>
@@ -14971,31 +16003,38 @@
             <p:ph type="body" idx="1"/>
           </p:nvPr>
         </p:nvSpPr>
-        <p:spPr/>
+        <p:spPr>
+          <a:xfrm>
+            <a:off x="761801" y="2884929"/>
+            <a:ext cx="4659756" cy="3374137"/>
+          </a:xfrm>
+        </p:spPr>
         <p:txBody>
-          <a:bodyPr/>
+          <a:bodyPr vert="horz" lIns="91440" tIns="45720" rIns="91440" bIns="45720" rtlCol="0" anchor="ctr">
+            <a:normAutofit/>
+          </a:bodyPr>
           <a:lstStyle/>
           <a:p>
             <a:r>
-              <a:rPr lang="en-US" dirty="0"/>
+              <a:rPr lang="en-US" sz="1900"/>
               <a:t>Imagine regular search is like a light switch—it's either on (relevant) or off (not relevant). </a:t>
             </a:r>
           </a:p>
           <a:p>
             <a:r>
-              <a:rPr lang="en-US" dirty="0"/>
+              <a:rPr lang="en-US" sz="1900"/>
               <a:t>With the fuzzy model, it's like a dimmer switch. It can be a little relevant, somewhat relevant, or very relevant.</a:t>
             </a:r>
           </a:p>
           <a:p>
             <a:r>
-              <a:rPr lang="en-US" dirty="0"/>
+              <a:rPr lang="en-US" sz="1900"/>
               <a:t>Fuzzy set theory allows for degrees of membership rather than strict binary membership.</a:t>
             </a:r>
           </a:p>
           <a:p>
             <a:r>
-              <a:rPr lang="en-US" dirty="0"/>
+              <a:rPr lang="en-US" sz="1900"/>
               <a:t>An element can have a partial or fuzzy membership in a set.</a:t>
             </a:r>
           </a:p>
@@ -15017,6 +16056,14 @@
 <file path=ppt/slides/slide9.xml><?xml version="1.0" encoding="utf-8"?>
 <p:sld xmlns:a="http://schemas.openxmlformats.org/drawingml/2006/main" xmlns:r="http://schemas.openxmlformats.org/officeDocument/2006/relationships" xmlns:p="http://schemas.openxmlformats.org/presentationml/2006/main">
   <p:cSld>
+    <p:bg>
+      <p:bgPr>
+        <a:solidFill>
+          <a:schemeClr val="bg1"/>
+        </a:solidFill>
+        <a:effectLst/>
+      </p:bgPr>
+    </p:bg>
     <p:spTree>
       <p:nvGrpSpPr>
         <p:cNvPr id="1" name=""/>
@@ -15031,6 +16078,66 @@
           <a:chExt cx="0" cy="0"/>
         </a:xfrm>
       </p:grpSpPr>
+      <p:sp useBgFill="1">
+        <p:nvSpPr>
+          <p:cNvPr id="9" name="Slide Background">
+            <a:extLst>
+              <a:ext uri="{FF2B5EF4-FFF2-40B4-BE49-F238E27FC236}">
+                <a16:creationId xmlns:a16="http://schemas.microsoft.com/office/drawing/2014/main" id="{9F7D5CDA-D291-4307-BF55-1381FED29634}"/>
+              </a:ext>
+              <a:ext uri="{C183D7F6-B498-43B3-948B-1728B52AA6E4}">
+                <adec:decorative xmlns:adec="http://schemas.microsoft.com/office/drawing/2017/decorative" val="1"/>
+              </a:ext>
+            </a:extLst>
+          </p:cNvPr>
+          <p:cNvSpPr>
+            <a:spLocks noGrp="1" noRot="1" noChangeAspect="1" noMove="1" noResize="1" noEditPoints="1" noAdjustHandles="1" noChangeArrowheads="1" noChangeShapeType="1" noTextEdit="1"/>
+          </p:cNvSpPr>
+          <p:nvPr>
+            <p:extLst>
+              <p:ext uri="{386F3935-93C4-4BCD-93E2-E3B085C9AB24}">
+                <p16:designElem xmlns:p16="http://schemas.microsoft.com/office/powerpoint/2015/main" val="1"/>
+              </p:ext>
+            </p:extLst>
+          </p:nvPr>
+        </p:nvSpPr>
+        <p:spPr>
+          <a:xfrm>
+            <a:off x="0" y="0"/>
+            <a:ext cx="12192000" cy="6858000"/>
+          </a:xfrm>
+          <a:prstGeom prst="rect">
+            <a:avLst/>
+          </a:prstGeom>
+          <a:ln>
+            <a:noFill/>
+          </a:ln>
+        </p:spPr>
+        <p:style>
+          <a:lnRef idx="2">
+            <a:schemeClr val="accent1">
+              <a:shade val="50000"/>
+            </a:schemeClr>
+          </a:lnRef>
+          <a:fillRef idx="1">
+            <a:schemeClr val="accent1"/>
+          </a:fillRef>
+          <a:effectRef idx="0">
+            <a:schemeClr val="accent1"/>
+          </a:effectRef>
+          <a:fontRef idx="minor">
+            <a:schemeClr val="lt1"/>
+          </a:fontRef>
+        </p:style>
+        <p:txBody>
+          <a:bodyPr rtlCol="0" anchor="ctr"/>
+          <a:lstStyle/>
+          <a:p>
+            <a:pPr algn="ctr"/>
+            <a:endParaRPr lang="en-US"/>
+          </a:p>
+        </p:txBody>
+      </p:sp>
       <p:sp>
         <p:nvSpPr>
           <p:cNvPr id="2" name="Title 1">
@@ -15047,13 +16154,20 @@
             <p:ph type="title"/>
           </p:nvPr>
         </p:nvSpPr>
-        <p:spPr/>
+        <p:spPr>
+          <a:xfrm>
+            <a:off x="761800" y="762001"/>
+            <a:ext cx="5334197" cy="1708242"/>
+          </a:xfrm>
+        </p:spPr>
         <p:txBody>
-          <a:bodyPr/>
+          <a:bodyPr vert="horz" lIns="91440" tIns="45720" rIns="91440" bIns="45720" rtlCol="0" anchor="ctr">
+            <a:normAutofit/>
+          </a:bodyPr>
           <a:lstStyle/>
           <a:p>
             <a:r>
-              <a:rPr lang="en-US"/>
+              <a:rPr lang="en-US" sz="4000"/>
               <a:t>Fuzzy Set Theory in IR</a:t>
             </a:r>
           </a:p>
@@ -15075,36 +16189,79 @@
             <p:ph type="body" idx="1"/>
           </p:nvPr>
         </p:nvSpPr>
-        <p:spPr/>
+        <p:spPr>
+          <a:xfrm>
+            <a:off x="761800" y="2470244"/>
+            <a:ext cx="5334197" cy="3769835"/>
+          </a:xfrm>
+        </p:spPr>
         <p:txBody>
-          <a:bodyPr/>
+          <a:bodyPr vert="horz" lIns="91440" tIns="45720" rIns="91440" bIns="45720" rtlCol="0" anchor="ctr">
+            <a:normAutofit/>
+          </a:bodyPr>
           <a:lstStyle/>
           <a:p>
             <a:r>
-              <a:rPr lang="en-US" dirty="0"/>
+              <a:rPr lang="en-US" sz="2000"/>
               <a:t>Documents or queries can be associated with multiple degrees of relevance.</a:t>
             </a:r>
           </a:p>
           <a:p>
             <a:r>
-              <a:rPr lang="en-US" dirty="0"/>
+              <a:rPr lang="en-US" sz="2000"/>
               <a:t>Instead of just being relevant or irrelevant, a document can be partially relevant to a query.</a:t>
             </a:r>
           </a:p>
           <a:p>
             <a:r>
-              <a:rPr lang="en-US" dirty="0"/>
+              <a:rPr lang="en-US" sz="2000"/>
               <a:t>Fuzzy set-based IR models help address ambiguity and vagueness in retrieval tasks.</a:t>
             </a:r>
           </a:p>
           <a:p>
             <a:r>
-              <a:rPr lang="en-US" dirty="0"/>
+              <a:rPr lang="en-US" sz="2000"/>
               <a:t>These models allow for a nuanced representation of relevance.</a:t>
             </a:r>
           </a:p>
         </p:txBody>
       </p:sp>
+      <p:pic>
+        <p:nvPicPr>
+          <p:cNvPr id="5" name="Picture 4" descr="Different colored organizers">
+            <a:extLst>
+              <a:ext uri="{FF2B5EF4-FFF2-40B4-BE49-F238E27FC236}">
+                <a16:creationId xmlns:a16="http://schemas.microsoft.com/office/drawing/2014/main" id="{084CA38A-EBC7-B699-08E1-CACC139C1344}"/>
+              </a:ext>
+            </a:extLst>
+          </p:cNvPr>
+          <p:cNvPicPr>
+            <a:picLocks noChangeAspect="1"/>
+          </p:cNvPicPr>
+          <p:nvPr/>
+        </p:nvPicPr>
+        <p:blipFill>
+          <a:blip r:embed="rId2"/>
+          <a:srcRect l="26562" r="26456" b="1"/>
+          <a:stretch/>
+        </p:blipFill>
+        <p:spPr>
+          <a:xfrm>
+            <a:off x="6857797" y="-10886"/>
+            <a:ext cx="5334204" cy="6868886"/>
+          </a:xfrm>
+          <a:prstGeom prst="rect">
+            <a:avLst/>
+          </a:prstGeom>
+          <a:effectLst>
+            <a:outerShdw blurRad="127000" dist="50800" dir="10800000" sx="99000" sy="99000" algn="r" rotWithShape="0">
+              <a:prstClr val="black">
+                <a:alpha val="40000"/>
+              </a:prstClr>
+            </a:outerShdw>
+          </a:effectLst>
+        </p:spPr>
+      </p:pic>
     </p:spTree>
     <p:extLst>
       <p:ext uri="{BB962C8B-B14F-4D97-AF65-F5344CB8AC3E}">
